--- a/HumanFollowingSystemPPT.pptx
+++ b/HumanFollowingSystemPPT.pptx
@@ -245,7 +245,7 @@
           <a:p>
             <a:fld id="{97DB7994-B99F-41B6-9BC3-DBA2572ADAE7}" type="datetimeFigureOut">
               <a:rPr kumimoji="1" lang="ja-JP" altLang="en-US" smtClean="0"/>
-              <a:t>2019/10/30</a:t>
+              <a:t>2019/10/31</a:t>
             </a:fld>
             <a:endParaRPr kumimoji="1" lang="ja-JP" altLang="en-US"/>
           </a:p>
@@ -447,7 +447,7 @@
           <a:p>
             <a:fld id="{97DB7994-B99F-41B6-9BC3-DBA2572ADAE7}" type="datetimeFigureOut">
               <a:rPr kumimoji="1" lang="ja-JP" altLang="en-US" smtClean="0"/>
-              <a:t>2019/10/30</a:t>
+              <a:t>2019/10/31</a:t>
             </a:fld>
             <a:endParaRPr kumimoji="1" lang="ja-JP" altLang="en-US"/>
           </a:p>
@@ -659,7 +659,7 @@
           <a:p>
             <a:fld id="{97DB7994-B99F-41B6-9BC3-DBA2572ADAE7}" type="datetimeFigureOut">
               <a:rPr kumimoji="1" lang="ja-JP" altLang="en-US" smtClean="0"/>
-              <a:t>2019/10/30</a:t>
+              <a:t>2019/10/31</a:t>
             </a:fld>
             <a:endParaRPr kumimoji="1" lang="ja-JP" altLang="en-US"/>
           </a:p>
@@ -861,7 +861,7 @@
           <a:p>
             <a:fld id="{97DB7994-B99F-41B6-9BC3-DBA2572ADAE7}" type="datetimeFigureOut">
               <a:rPr kumimoji="1" lang="ja-JP" altLang="en-US" smtClean="0"/>
-              <a:t>2019/10/30</a:t>
+              <a:t>2019/10/31</a:t>
             </a:fld>
             <a:endParaRPr kumimoji="1" lang="ja-JP" altLang="en-US"/>
           </a:p>
@@ -1105,7 +1105,7 @@
           <a:p>
             <a:fld id="{97DB7994-B99F-41B6-9BC3-DBA2572ADAE7}" type="datetimeFigureOut">
               <a:rPr kumimoji="1" lang="ja-JP" altLang="en-US" smtClean="0"/>
-              <a:t>2019/10/30</a:t>
+              <a:t>2019/10/31</a:t>
             </a:fld>
             <a:endParaRPr kumimoji="1" lang="ja-JP" altLang="en-US"/>
           </a:p>
@@ -1401,7 +1401,7 @@
           <a:p>
             <a:fld id="{97DB7994-B99F-41B6-9BC3-DBA2572ADAE7}" type="datetimeFigureOut">
               <a:rPr kumimoji="1" lang="ja-JP" altLang="en-US" smtClean="0"/>
-              <a:t>2019/10/30</a:t>
+              <a:t>2019/10/31</a:t>
             </a:fld>
             <a:endParaRPr kumimoji="1" lang="ja-JP" altLang="en-US"/>
           </a:p>
@@ -1832,7 +1832,7 @@
           <a:p>
             <a:fld id="{97DB7994-B99F-41B6-9BC3-DBA2572ADAE7}" type="datetimeFigureOut">
               <a:rPr kumimoji="1" lang="ja-JP" altLang="en-US" smtClean="0"/>
-              <a:t>2019/10/30</a:t>
+              <a:t>2019/10/31</a:t>
             </a:fld>
             <a:endParaRPr kumimoji="1" lang="ja-JP" altLang="en-US"/>
           </a:p>
@@ -1950,7 +1950,7 @@
           <a:p>
             <a:fld id="{97DB7994-B99F-41B6-9BC3-DBA2572ADAE7}" type="datetimeFigureOut">
               <a:rPr kumimoji="1" lang="ja-JP" altLang="en-US" smtClean="0"/>
-              <a:t>2019/10/30</a:t>
+              <a:t>2019/10/31</a:t>
             </a:fld>
             <a:endParaRPr kumimoji="1" lang="ja-JP" altLang="en-US"/>
           </a:p>
@@ -2045,7 +2045,7 @@
           <a:p>
             <a:fld id="{97DB7994-B99F-41B6-9BC3-DBA2572ADAE7}" type="datetimeFigureOut">
               <a:rPr kumimoji="1" lang="ja-JP" altLang="en-US" smtClean="0"/>
-              <a:t>2019/10/30</a:t>
+              <a:t>2019/10/31</a:t>
             </a:fld>
             <a:endParaRPr kumimoji="1" lang="ja-JP" altLang="en-US"/>
           </a:p>
@@ -2354,7 +2354,7 @@
           <a:p>
             <a:fld id="{97DB7994-B99F-41B6-9BC3-DBA2572ADAE7}" type="datetimeFigureOut">
               <a:rPr kumimoji="1" lang="ja-JP" altLang="en-US" smtClean="0"/>
-              <a:t>2019/10/30</a:t>
+              <a:t>2019/10/31</a:t>
             </a:fld>
             <a:endParaRPr kumimoji="1" lang="ja-JP" altLang="en-US"/>
           </a:p>
@@ -2611,7 +2611,7 @@
           <a:p>
             <a:fld id="{97DB7994-B99F-41B6-9BC3-DBA2572ADAE7}" type="datetimeFigureOut">
               <a:rPr kumimoji="1" lang="ja-JP" altLang="en-US" smtClean="0"/>
-              <a:t>2019/10/30</a:t>
+              <a:t>2019/10/31</a:t>
             </a:fld>
             <a:endParaRPr kumimoji="1" lang="ja-JP" altLang="en-US"/>
           </a:p>
@@ -2856,7 +2856,7 @@
           <a:p>
             <a:fld id="{97DB7994-B99F-41B6-9BC3-DBA2572ADAE7}" type="datetimeFigureOut">
               <a:rPr kumimoji="1" lang="ja-JP" altLang="en-US" smtClean="0"/>
-              <a:t>2019/10/30</a:t>
+              <a:t>2019/10/31</a:t>
             </a:fld>
             <a:endParaRPr kumimoji="1" lang="ja-JP" altLang="en-US"/>
           </a:p>
@@ -3289,7 +3289,7 @@
         </p:blipFill>
         <p:spPr>
           <a:xfrm>
-            <a:off x="445515" y="3842557"/>
+            <a:off x="445515" y="3876847"/>
             <a:ext cx="4044620" cy="2231673"/>
           </a:xfrm>
           <a:prstGeom prst="rect">
@@ -4440,7 +4440,7 @@
             </a:r>
             <a:r>
               <a:rPr kumimoji="1" lang="ja-JP" altLang="en-US" dirty="0"/>
-              <a:t>は機械学習により，移動ロボットの追従対象者の軌跡を予測して追従対象者を見失った際に予測をもとに再追従し，追従精度を向上させる</a:t>
+              <a:t>は機械学習により，移動ロボットの追従対象者の軌跡を予測し，追従中の見失いを減らし追従精度を向上させる</a:t>
             </a:r>
             <a:r>
               <a:rPr kumimoji="1" lang="en-US" altLang="ja-JP" dirty="0"/>
@@ -8983,6 +8983,284 @@
           <a:chExt cx="0" cy="0"/>
         </a:xfrm>
       </p:grpSpPr>
+      <p:grpSp>
+        <p:nvGrpSpPr>
+          <p:cNvPr id="4" name="グループ化 3">
+            <a:extLst>
+              <a:ext uri="{FF2B5EF4-FFF2-40B4-BE49-F238E27FC236}">
+                <a16:creationId xmlns:a16="http://schemas.microsoft.com/office/drawing/2014/main" id="{D998CF49-3A0D-4AFE-B550-B83E3C50E950}"/>
+              </a:ext>
+            </a:extLst>
+          </p:cNvPr>
+          <p:cNvGrpSpPr/>
+          <p:nvPr/>
+        </p:nvGrpSpPr>
+        <p:grpSpPr>
+          <a:xfrm>
+            <a:off x="5010808" y="3616779"/>
+            <a:ext cx="3688171" cy="2445783"/>
+            <a:chOff x="5010808" y="3502479"/>
+            <a:chExt cx="3688171" cy="2445783"/>
+          </a:xfrm>
+        </p:grpSpPr>
+        <p:pic>
+          <p:nvPicPr>
+            <p:cNvPr id="1028" name="Picture 4">
+              <a:extLst>
+                <a:ext uri="{FF2B5EF4-FFF2-40B4-BE49-F238E27FC236}">
+                  <a16:creationId xmlns:a16="http://schemas.microsoft.com/office/drawing/2014/main" id="{6C78FB2B-BBCC-43A0-A098-A43A15804828}"/>
+                </a:ext>
+              </a:extLst>
+            </p:cNvPr>
+            <p:cNvPicPr>
+              <a:picLocks noChangeAspect="1" noChangeArrowheads="1"/>
+            </p:cNvPicPr>
+            <p:nvPr/>
+          </p:nvPicPr>
+          <p:blipFill>
+            <a:blip r:embed="rId2">
+              <a:extLst>
+                <a:ext uri="{28A0092B-C50C-407E-A947-70E740481C1C}">
+                  <a14:useLocalDpi xmlns:a14="http://schemas.microsoft.com/office/drawing/2010/main" val="0"/>
+                </a:ext>
+              </a:extLst>
+            </a:blip>
+            <a:srcRect/>
+            <a:stretch>
+              <a:fillRect/>
+            </a:stretch>
+          </p:blipFill>
+          <p:spPr bwMode="auto">
+            <a:xfrm>
+              <a:off x="5010808" y="3502479"/>
+              <a:ext cx="3579038" cy="2445783"/>
+            </a:xfrm>
+            <a:prstGeom prst="rect">
+              <a:avLst/>
+            </a:prstGeom>
+            <a:noFill/>
+            <a:extLst>
+              <a:ext uri="{909E8E84-426E-40DD-AFC4-6F175D3DCCD1}">
+                <a14:hiddenFill xmlns:a14="http://schemas.microsoft.com/office/drawing/2010/main">
+                  <a:solidFill>
+                    <a:srgbClr val="FFFFFF"/>
+                  </a:solidFill>
+                </a14:hiddenFill>
+              </a:ext>
+            </a:extLst>
+          </p:spPr>
+        </p:pic>
+        <p:sp>
+          <p:nvSpPr>
+            <p:cNvPr id="3" name="正方形/長方形 2">
+              <a:extLst>
+                <a:ext uri="{FF2B5EF4-FFF2-40B4-BE49-F238E27FC236}">
+                  <a16:creationId xmlns:a16="http://schemas.microsoft.com/office/drawing/2014/main" id="{98572E6D-0B3A-49FA-9B37-EEF2641BC5E4}"/>
+                </a:ext>
+              </a:extLst>
+            </p:cNvPr>
+            <p:cNvSpPr/>
+            <p:nvPr/>
+          </p:nvSpPr>
+          <p:spPr>
+            <a:xfrm>
+              <a:off x="7824999" y="4062202"/>
+              <a:ext cx="678004" cy="263727"/>
+            </a:xfrm>
+            <a:prstGeom prst="rect">
+              <a:avLst/>
+            </a:prstGeom>
+            <a:solidFill>
+              <a:schemeClr val="bg1"/>
+            </a:solidFill>
+            <a:ln w="28575">
+              <a:solidFill>
+                <a:schemeClr val="accent6"/>
+              </a:solidFill>
+            </a:ln>
+          </p:spPr>
+          <p:style>
+            <a:lnRef idx="2">
+              <a:schemeClr val="accent1">
+                <a:shade val="50000"/>
+              </a:schemeClr>
+            </a:lnRef>
+            <a:fillRef idx="1">
+              <a:schemeClr val="accent1"/>
+            </a:fillRef>
+            <a:effectRef idx="0">
+              <a:schemeClr val="accent1"/>
+            </a:effectRef>
+            <a:fontRef idx="minor">
+              <a:schemeClr val="lt1"/>
+            </a:fontRef>
+          </p:style>
+          <p:txBody>
+            <a:bodyPr rtlCol="0" anchor="ctr"/>
+            <a:lstStyle/>
+            <a:p>
+              <a:pPr algn="ctr"/>
+              <a:r>
+                <a:rPr kumimoji="1" lang="ja-JP" altLang="en-US" sz="900" b="1" dirty="0">
+                  <a:solidFill>
+                    <a:schemeClr val="tx1"/>
+                  </a:solidFill>
+                </a:rPr>
+                <a:t>スタート</a:t>
+              </a:r>
+            </a:p>
+          </p:txBody>
+        </p:sp>
+        <p:cxnSp>
+          <p:nvCxnSpPr>
+            <p:cNvPr id="58" name="直線コネクタ 57">
+              <a:extLst>
+                <a:ext uri="{FF2B5EF4-FFF2-40B4-BE49-F238E27FC236}">
+                  <a16:creationId xmlns:a16="http://schemas.microsoft.com/office/drawing/2014/main" id="{68EDFB62-09A7-4A87-B84C-2D91662CFC1C}"/>
+                </a:ext>
+              </a:extLst>
+            </p:cNvPr>
+            <p:cNvCxnSpPr>
+              <a:cxnSpLocks/>
+              <a:stCxn id="3" idx="1"/>
+            </p:cNvCxnSpPr>
+            <p:nvPr/>
+          </p:nvCxnSpPr>
+          <p:spPr>
+            <a:xfrm flipH="1">
+              <a:off x="7623305" y="4194066"/>
+              <a:ext cx="201694" cy="482752"/>
+            </a:xfrm>
+            <a:prstGeom prst="line">
+              <a:avLst/>
+            </a:prstGeom>
+            <a:ln w="28575">
+              <a:solidFill>
+                <a:schemeClr val="accent6"/>
+              </a:solidFill>
+            </a:ln>
+          </p:spPr>
+          <p:style>
+            <a:lnRef idx="1">
+              <a:schemeClr val="accent1"/>
+            </a:lnRef>
+            <a:fillRef idx="0">
+              <a:schemeClr val="accent1"/>
+            </a:fillRef>
+            <a:effectRef idx="0">
+              <a:schemeClr val="accent1"/>
+            </a:effectRef>
+            <a:fontRef idx="minor">
+              <a:schemeClr val="tx1"/>
+            </a:fontRef>
+          </p:style>
+        </p:cxnSp>
+        <p:sp>
+          <p:nvSpPr>
+            <p:cNvPr id="134" name="正方形/長方形 133">
+              <a:extLst>
+                <a:ext uri="{FF2B5EF4-FFF2-40B4-BE49-F238E27FC236}">
+                  <a16:creationId xmlns:a16="http://schemas.microsoft.com/office/drawing/2014/main" id="{B75EBF44-C531-4BE9-8ECE-02559C8F1B50}"/>
+                </a:ext>
+              </a:extLst>
+            </p:cNvPr>
+            <p:cNvSpPr/>
+            <p:nvPr/>
+          </p:nvSpPr>
+          <p:spPr>
+            <a:xfrm>
+              <a:off x="8020975" y="5241141"/>
+              <a:ext cx="678004" cy="263727"/>
+            </a:xfrm>
+            <a:prstGeom prst="rect">
+              <a:avLst/>
+            </a:prstGeom>
+            <a:solidFill>
+              <a:schemeClr val="bg1"/>
+            </a:solidFill>
+            <a:ln w="28575">
+              <a:solidFill>
+                <a:schemeClr val="accent6"/>
+              </a:solidFill>
+            </a:ln>
+          </p:spPr>
+          <p:style>
+            <a:lnRef idx="2">
+              <a:schemeClr val="accent1">
+                <a:shade val="50000"/>
+              </a:schemeClr>
+            </a:lnRef>
+            <a:fillRef idx="1">
+              <a:schemeClr val="accent1"/>
+            </a:fillRef>
+            <a:effectRef idx="0">
+              <a:schemeClr val="accent1"/>
+            </a:effectRef>
+            <a:fontRef idx="minor">
+              <a:schemeClr val="lt1"/>
+            </a:fontRef>
+          </p:style>
+          <p:txBody>
+            <a:bodyPr rtlCol="0" anchor="ctr"/>
+            <a:lstStyle/>
+            <a:p>
+              <a:pPr algn="ctr"/>
+              <a:r>
+                <a:rPr kumimoji="1" lang="ja-JP" altLang="en-US" sz="900" b="1" dirty="0">
+                  <a:solidFill>
+                    <a:schemeClr val="tx1"/>
+                  </a:solidFill>
+                </a:rPr>
+                <a:t>ゴール</a:t>
+              </a:r>
+            </a:p>
+          </p:txBody>
+        </p:sp>
+        <p:cxnSp>
+          <p:nvCxnSpPr>
+            <p:cNvPr id="135" name="直線コネクタ 134">
+              <a:extLst>
+                <a:ext uri="{FF2B5EF4-FFF2-40B4-BE49-F238E27FC236}">
+                  <a16:creationId xmlns:a16="http://schemas.microsoft.com/office/drawing/2014/main" id="{65A870FD-67AA-46C8-858A-8393F90B0369}"/>
+                </a:ext>
+              </a:extLst>
+            </p:cNvPr>
+            <p:cNvCxnSpPr>
+              <a:cxnSpLocks/>
+              <a:stCxn id="134" idx="1"/>
+            </p:cNvCxnSpPr>
+            <p:nvPr/>
+          </p:nvCxnSpPr>
+          <p:spPr>
+            <a:xfrm flipH="1" flipV="1">
+              <a:off x="7930195" y="4820020"/>
+              <a:ext cx="90780" cy="552985"/>
+            </a:xfrm>
+            <a:prstGeom prst="line">
+              <a:avLst/>
+            </a:prstGeom>
+            <a:ln w="28575">
+              <a:solidFill>
+                <a:schemeClr val="accent6"/>
+              </a:solidFill>
+            </a:ln>
+          </p:spPr>
+          <p:style>
+            <a:lnRef idx="1">
+              <a:schemeClr val="accent1"/>
+            </a:lnRef>
+            <a:fillRef idx="0">
+              <a:schemeClr val="accent1"/>
+            </a:fillRef>
+            <a:effectRef idx="0">
+              <a:schemeClr val="accent1"/>
+            </a:effectRef>
+            <a:fontRef idx="minor">
+              <a:schemeClr val="tx1"/>
+            </a:fontRef>
+          </p:style>
+        </p:cxnSp>
+      </p:grpSp>
       <p:sp>
         <p:nvSpPr>
           <p:cNvPr id="2" name="正方形/長方形 1">
@@ -9760,7 +10038,7 @@
           <p:nvPr/>
         </p:nvPicPr>
         <p:blipFill>
-          <a:blip r:embed="rId2">
+          <a:blip r:embed="rId3">
             <a:clrChange>
               <a:clrFrom>
                 <a:srgbClr val="FFFFFF"/>
@@ -9781,7 +10059,7 @@
             <a:extLst>
               <a:ext uri="{BEBA8EAE-BF5A-486C-A8C5-ECC9F3942E4B}">
                 <a14:imgProps xmlns:a14="http://schemas.microsoft.com/office/drawing/2010/main">
-                  <a14:imgLayer r:embed="rId3">
+                  <a14:imgLayer r:embed="rId4">
                     <a14:imgEffect>
                       <a14:saturation sat="400000"/>
                     </a14:imgEffect>
@@ -9897,7 +10175,7 @@
           <p:nvPr/>
         </p:nvPicPr>
         <p:blipFill>
-          <a:blip r:embed="rId4">
+          <a:blip r:embed="rId5">
             <a:extLst>
               <a:ext uri="{28A0092B-C50C-407E-A947-70E740481C1C}">
                 <a14:useLocalDpi xmlns:a14="http://schemas.microsoft.com/office/drawing/2010/main" val="0"/>
@@ -9913,53 +10191,6 @@
           <a:xfrm>
             <a:off x="300146" y="3162779"/>
             <a:ext cx="4193591" cy="2794271"/>
-          </a:xfrm>
-          <a:prstGeom prst="rect">
-            <a:avLst/>
-          </a:prstGeom>
-          <a:noFill/>
-          <a:extLst>
-            <a:ext uri="{909E8E84-426E-40DD-AFC4-6F175D3DCCD1}">
-              <a14:hiddenFill xmlns:a14="http://schemas.microsoft.com/office/drawing/2010/main">
-                <a:solidFill>
-                  <a:srgbClr val="FFFFFF"/>
-                </a:solidFill>
-              </a14:hiddenFill>
-            </a:ext>
-          </a:extLst>
-        </p:spPr>
-      </p:pic>
-      <p:pic>
-        <p:nvPicPr>
-          <p:cNvPr id="1028" name="Picture 4">
-            <a:extLst>
-              <a:ext uri="{FF2B5EF4-FFF2-40B4-BE49-F238E27FC236}">
-                <a16:creationId xmlns:a16="http://schemas.microsoft.com/office/drawing/2014/main" id="{6C78FB2B-BBCC-43A0-A098-A43A15804828}"/>
-              </a:ext>
-            </a:extLst>
-          </p:cNvPr>
-          <p:cNvPicPr>
-            <a:picLocks noChangeAspect="1" noChangeArrowheads="1"/>
-          </p:cNvPicPr>
-          <p:nvPr/>
-        </p:nvPicPr>
-        <p:blipFill>
-          <a:blip r:embed="rId5">
-            <a:extLst>
-              <a:ext uri="{28A0092B-C50C-407E-A947-70E740481C1C}">
-                <a14:useLocalDpi xmlns:a14="http://schemas.microsoft.com/office/drawing/2010/main" val="0"/>
-              </a:ext>
-            </a:extLst>
-          </a:blip>
-          <a:srcRect/>
-          <a:stretch>
-            <a:fillRect/>
-          </a:stretch>
-        </p:blipFill>
-        <p:spPr bwMode="auto">
-          <a:xfrm>
-            <a:off x="5010808" y="3502479"/>
-            <a:ext cx="3579038" cy="2445783"/>
           </a:xfrm>
           <a:prstGeom prst="rect">
             <a:avLst/>
@@ -10036,7 +10267,7 @@
                   <a:schemeClr val="tx1"/>
                 </a:solidFill>
               </a:rPr>
-              <a:t>予測器を用いて簡単な実験を行ったところ以下のようになった．座標系はワールド座標系で，単位は</a:t>
+              <a:t>実際のロボットと完成した予測器を用いて簡単な実験を行ったところ以下のような結果になった．座標系はワールド座標系で，単位は</a:t>
             </a:r>
             <a:r>
               <a:rPr kumimoji="1" lang="en-US" altLang="ja-JP" sz="1600" dirty="0">
@@ -10183,216 +10414,6 @@
           </a:p>
         </p:txBody>
       </p:sp>
-      <p:sp>
-        <p:nvSpPr>
-          <p:cNvPr id="3" name="正方形/長方形 2">
-            <a:extLst>
-              <a:ext uri="{FF2B5EF4-FFF2-40B4-BE49-F238E27FC236}">
-                <a16:creationId xmlns:a16="http://schemas.microsoft.com/office/drawing/2014/main" id="{98572E6D-0B3A-49FA-9B37-EEF2641BC5E4}"/>
-              </a:ext>
-            </a:extLst>
-          </p:cNvPr>
-          <p:cNvSpPr/>
-          <p:nvPr/>
-        </p:nvSpPr>
-        <p:spPr>
-          <a:xfrm>
-            <a:off x="7824999" y="4062202"/>
-            <a:ext cx="678004" cy="263727"/>
-          </a:xfrm>
-          <a:prstGeom prst="rect">
-            <a:avLst/>
-          </a:prstGeom>
-          <a:solidFill>
-            <a:schemeClr val="bg1"/>
-          </a:solidFill>
-          <a:ln w="28575">
-            <a:solidFill>
-              <a:schemeClr val="accent6"/>
-            </a:solidFill>
-          </a:ln>
-        </p:spPr>
-        <p:style>
-          <a:lnRef idx="2">
-            <a:schemeClr val="accent1">
-              <a:shade val="50000"/>
-            </a:schemeClr>
-          </a:lnRef>
-          <a:fillRef idx="1">
-            <a:schemeClr val="accent1"/>
-          </a:fillRef>
-          <a:effectRef idx="0">
-            <a:schemeClr val="accent1"/>
-          </a:effectRef>
-          <a:fontRef idx="minor">
-            <a:schemeClr val="lt1"/>
-          </a:fontRef>
-        </p:style>
-        <p:txBody>
-          <a:bodyPr rtlCol="0" anchor="ctr"/>
-          <a:lstStyle/>
-          <a:p>
-            <a:pPr algn="ctr"/>
-            <a:r>
-              <a:rPr kumimoji="1" lang="ja-JP" altLang="en-US" sz="900" b="1" dirty="0">
-                <a:solidFill>
-                  <a:schemeClr val="tx1"/>
-                </a:solidFill>
-              </a:rPr>
-              <a:t>スタート</a:t>
-            </a:r>
-          </a:p>
-        </p:txBody>
-      </p:sp>
-      <p:cxnSp>
-        <p:nvCxnSpPr>
-          <p:cNvPr id="58" name="直線コネクタ 57">
-            <a:extLst>
-              <a:ext uri="{FF2B5EF4-FFF2-40B4-BE49-F238E27FC236}">
-                <a16:creationId xmlns:a16="http://schemas.microsoft.com/office/drawing/2014/main" id="{68EDFB62-09A7-4A87-B84C-2D91662CFC1C}"/>
-              </a:ext>
-            </a:extLst>
-          </p:cNvPr>
-          <p:cNvCxnSpPr>
-            <a:cxnSpLocks/>
-            <a:stCxn id="3" idx="1"/>
-          </p:cNvCxnSpPr>
-          <p:nvPr/>
-        </p:nvCxnSpPr>
-        <p:spPr>
-          <a:xfrm flipH="1">
-            <a:off x="7623305" y="4194066"/>
-            <a:ext cx="201694" cy="482752"/>
-          </a:xfrm>
-          <a:prstGeom prst="line">
-            <a:avLst/>
-          </a:prstGeom>
-          <a:ln w="28575">
-            <a:solidFill>
-              <a:schemeClr val="accent6"/>
-            </a:solidFill>
-          </a:ln>
-        </p:spPr>
-        <p:style>
-          <a:lnRef idx="1">
-            <a:schemeClr val="accent1"/>
-          </a:lnRef>
-          <a:fillRef idx="0">
-            <a:schemeClr val="accent1"/>
-          </a:fillRef>
-          <a:effectRef idx="0">
-            <a:schemeClr val="accent1"/>
-          </a:effectRef>
-          <a:fontRef idx="minor">
-            <a:schemeClr val="tx1"/>
-          </a:fontRef>
-        </p:style>
-      </p:cxnSp>
-      <p:sp>
-        <p:nvSpPr>
-          <p:cNvPr id="134" name="正方形/長方形 133">
-            <a:extLst>
-              <a:ext uri="{FF2B5EF4-FFF2-40B4-BE49-F238E27FC236}">
-                <a16:creationId xmlns:a16="http://schemas.microsoft.com/office/drawing/2014/main" id="{B75EBF44-C531-4BE9-8ECE-02559C8F1B50}"/>
-              </a:ext>
-            </a:extLst>
-          </p:cNvPr>
-          <p:cNvSpPr/>
-          <p:nvPr/>
-        </p:nvSpPr>
-        <p:spPr>
-          <a:xfrm>
-            <a:off x="8020975" y="5241141"/>
-            <a:ext cx="678004" cy="263727"/>
-          </a:xfrm>
-          <a:prstGeom prst="rect">
-            <a:avLst/>
-          </a:prstGeom>
-          <a:solidFill>
-            <a:schemeClr val="bg1"/>
-          </a:solidFill>
-          <a:ln w="28575">
-            <a:solidFill>
-              <a:schemeClr val="accent6"/>
-            </a:solidFill>
-          </a:ln>
-        </p:spPr>
-        <p:style>
-          <a:lnRef idx="2">
-            <a:schemeClr val="accent1">
-              <a:shade val="50000"/>
-            </a:schemeClr>
-          </a:lnRef>
-          <a:fillRef idx="1">
-            <a:schemeClr val="accent1"/>
-          </a:fillRef>
-          <a:effectRef idx="0">
-            <a:schemeClr val="accent1"/>
-          </a:effectRef>
-          <a:fontRef idx="minor">
-            <a:schemeClr val="lt1"/>
-          </a:fontRef>
-        </p:style>
-        <p:txBody>
-          <a:bodyPr rtlCol="0" anchor="ctr"/>
-          <a:lstStyle/>
-          <a:p>
-            <a:pPr algn="ctr"/>
-            <a:r>
-              <a:rPr kumimoji="1" lang="ja-JP" altLang="en-US" sz="900" b="1" dirty="0">
-                <a:solidFill>
-                  <a:schemeClr val="tx1"/>
-                </a:solidFill>
-              </a:rPr>
-              <a:t>ゴール</a:t>
-            </a:r>
-          </a:p>
-        </p:txBody>
-      </p:sp>
-      <p:cxnSp>
-        <p:nvCxnSpPr>
-          <p:cNvPr id="135" name="直線コネクタ 134">
-            <a:extLst>
-              <a:ext uri="{FF2B5EF4-FFF2-40B4-BE49-F238E27FC236}">
-                <a16:creationId xmlns:a16="http://schemas.microsoft.com/office/drawing/2014/main" id="{65A870FD-67AA-46C8-858A-8393F90B0369}"/>
-              </a:ext>
-            </a:extLst>
-          </p:cNvPr>
-          <p:cNvCxnSpPr>
-            <a:cxnSpLocks/>
-            <a:stCxn id="134" idx="1"/>
-          </p:cNvCxnSpPr>
-          <p:nvPr/>
-        </p:nvCxnSpPr>
-        <p:spPr>
-          <a:xfrm flipH="1" flipV="1">
-            <a:off x="7930195" y="4820020"/>
-            <a:ext cx="90780" cy="552985"/>
-          </a:xfrm>
-          <a:prstGeom prst="line">
-            <a:avLst/>
-          </a:prstGeom>
-          <a:ln w="28575">
-            <a:solidFill>
-              <a:schemeClr val="accent6"/>
-            </a:solidFill>
-          </a:ln>
-        </p:spPr>
-        <p:style>
-          <a:lnRef idx="1">
-            <a:schemeClr val="accent1"/>
-          </a:lnRef>
-          <a:fillRef idx="0">
-            <a:schemeClr val="accent1"/>
-          </a:fillRef>
-          <a:effectRef idx="0">
-            <a:schemeClr val="accent1"/>
-          </a:effectRef>
-          <a:fontRef idx="minor">
-            <a:schemeClr val="tx1"/>
-          </a:fontRef>
-        </p:style>
-      </p:cxnSp>
     </p:spTree>
     <p:extLst>
       <p:ext uri="{BB962C8B-B14F-4D97-AF65-F5344CB8AC3E}">
